--- a/SDC/프레젠테이션1.pptx
+++ b/SDC/프레젠테이션1.pptx
@@ -7,8 +7,9 @@
   <p:sldIdLst>
     <p:sldId id="256" r:id="rId2"/>
     <p:sldId id="257" r:id="rId3"/>
-    <p:sldId id="258" r:id="rId4"/>
-    <p:sldId id="259" r:id="rId5"/>
+    <p:sldId id="260" r:id="rId4"/>
+    <p:sldId id="258" r:id="rId5"/>
+    <p:sldId id="259" r:id="rId6"/>
   </p:sldIdLst>
   <p:sldSz cx="12192000" cy="6858000"/>
   <p:notesSz cx="6858000" cy="9144000"/>
@@ -107,6 +108,11 @@
       </a:defRPr>
     </a:lvl9pPr>
   </p:defaultTextStyle>
+  <p:extLst>
+    <p:ext uri="{EFAFB233-063F-42B5-8137-9DF3F51BA10A}">
+      <p15:sldGuideLst xmlns:p15="http://schemas.microsoft.com/office/powerpoint/2012/main"/>
+    </p:ext>
+  </p:extLst>
 </p:presentation>
 </file>
 
@@ -587,7 +593,7 @@
         <p:spPr>
           <a:xfrm>
             <a:off x="2435633" y="376751"/>
-            <a:ext cx="7708457" cy="3785652"/>
+            <a:ext cx="6061275" cy="2277547"/>
           </a:xfrm>
           <a:prstGeom prst="rect">
             <a:avLst/>
@@ -675,11 +681,7 @@
             </a:r>
             <a:r>
               <a:rPr lang="en-US" altLang="ko-KR" sz="1600" smtClean="0"/>
-              <a:t>(</a:t>
-            </a:r>
-            <a:r>
-              <a:rPr lang="en-US" altLang="ko-KR" sz="1600" smtClean="0"/>
-              <a:t>stratified 5-fold,)</a:t>
+              <a:t>(stratified 5-fold,)</a:t>
             </a:r>
             <a:r>
               <a:rPr lang="ko-KR" altLang="en-US" sz="1600" smtClean="0"/>
@@ -706,94 +708,19 @@
             </a:r>
             <a:r>
               <a:rPr lang="ko-KR" altLang="en-US" sz="1600" smtClean="0"/>
-              <a:t>차 파인튜닝</a:t>
+              <a:t>차 </a:t>
+            </a:r>
+            <a:r>
+              <a:rPr lang="ko-KR" altLang="en-US" sz="1600" smtClean="0"/>
+              <a:t>파인튜닝</a:t>
             </a:r>
             <a:endParaRPr lang="en-US" altLang="ko-KR" sz="1600" smtClean="0"/>
-          </a:p>
-          <a:p>
-            <a:pPr marL="342900" indent="-342900">
-              <a:buAutoNum type="arabicPeriod"/>
-            </a:pPr>
-            <a:endParaRPr lang="en-US" altLang="ko-KR" sz="1600" smtClean="0"/>
-          </a:p>
-          <a:p>
-            <a:pPr marL="342900" indent="-342900">
-              <a:buAutoNum type="arabicPeriod"/>
-            </a:pPr>
-            <a:r>
-              <a:rPr lang="en-US" altLang="ko-KR" smtClean="0"/>
-              <a:t>kcBert:</a:t>
-            </a:r>
-            <a:r>
-              <a:rPr lang="en-US" altLang="ko-KR"/>
-              <a:t/>
-            </a:r>
-            <a:br>
-              <a:rPr lang="en-US" altLang="ko-KR"/>
-            </a:br>
-            <a:r>
-              <a:rPr lang="en-US" altLang="ko-KR" sz="1600" smtClean="0"/>
-              <a:t>- </a:t>
-            </a:r>
-            <a:r>
-              <a:rPr lang="ko-KR" altLang="en-US" sz="1600" smtClean="0"/>
-              <a:t>학습데이터 활용 기존 </a:t>
-            </a:r>
-            <a:r>
-              <a:rPr lang="en-US" altLang="ko-KR" sz="1600" smtClean="0"/>
-              <a:t>pretrain</a:t>
-            </a:r>
-            <a:r>
-              <a:rPr lang="ko-KR" altLang="en-US" sz="1600" smtClean="0"/>
-              <a:t>에 추가 학습 한 </a:t>
-            </a:r>
-            <a:r>
-              <a:rPr lang="en-US" altLang="ko-KR" sz="1600" smtClean="0"/>
-              <a:t>vocab </a:t>
-            </a:r>
-            <a:r>
-              <a:rPr lang="ko-KR" altLang="en-US" sz="1600" smtClean="0"/>
-              <a:t>생성 후 </a:t>
-            </a:r>
-            <a:r>
-              <a:rPr lang="en-US" altLang="ko-KR" sz="1600" smtClean="0"/>
-              <a:t>tokenizer </a:t>
-            </a:r>
-            <a:r>
-              <a:rPr lang="ko-KR" altLang="en-US" sz="1600" smtClean="0"/>
-              <a:t>활용</a:t>
-            </a:r>
-            <a:r>
-              <a:rPr lang="en-US" altLang="ko-KR" sz="1600"/>
-              <a:t/>
-            </a:r>
-            <a:br>
-              <a:rPr lang="en-US" altLang="ko-KR" sz="1600"/>
-            </a:br>
-            <a:r>
-              <a:rPr lang="en-US" altLang="ko-KR" sz="1600" smtClean="0"/>
-              <a:t/>
-            </a:r>
-            <a:br>
-              <a:rPr lang="en-US" altLang="ko-KR" sz="1600" smtClean="0"/>
-            </a:br>
-            <a:r>
-              <a:rPr lang="en-US" altLang="ko-KR" sz="1600"/>
-              <a:t/>
-            </a:r>
-            <a:br>
-              <a:rPr lang="en-US" altLang="ko-KR" sz="1600"/>
-            </a:br>
-            <a:r>
-              <a:rPr lang="en-US" altLang="ko-KR" sz="1600" smtClean="0"/>
-              <a:t>https://beomi.github.io/2021/03/15/KcBERT-MLM-Finetune/#more</a:t>
-            </a:r>
           </a:p>
         </p:txBody>
       </p:sp>
       <p:pic>
         <p:nvPicPr>
-          <p:cNvPr id="3" name="그림 2"/>
+          <p:cNvPr id="6" name="그림 5"/>
           <p:cNvPicPr>
             <a:picLocks noChangeAspect="1"/>
           </p:cNvPicPr>
@@ -807,8 +734,8 @@
         </p:blipFill>
         <p:spPr>
           <a:xfrm>
-            <a:off x="2929703" y="4162403"/>
-            <a:ext cx="6072674" cy="2334366"/>
+            <a:off x="947959" y="3001127"/>
+            <a:ext cx="10478962" cy="2867425"/>
           </a:xfrm>
           <a:prstGeom prst="rect">
             <a:avLst/>
@@ -847,6 +774,172 @@
       </p:grpSpPr>
       <p:sp>
         <p:nvSpPr>
+          <p:cNvPr id="2" name="TextBox 1"/>
+          <p:cNvSpPr txBox="1"/>
+          <p:nvPr/>
+        </p:nvSpPr>
+        <p:spPr>
+          <a:xfrm>
+            <a:off x="2227815" y="501441"/>
+            <a:ext cx="7607467" cy="2000548"/>
+          </a:xfrm>
+          <a:prstGeom prst="rect">
+            <a:avLst/>
+          </a:prstGeom>
+          <a:noFill/>
+        </p:spPr>
+        <p:txBody>
+          <a:bodyPr wrap="none" rtlCol="0">
+            <a:spAutoFit/>
+          </a:bodyPr>
+          <a:lstStyle/>
+          <a:p>
+            <a:pPr lvl="1"/>
+            <a:r>
+              <a:rPr lang="ko-KR" altLang="en-US" sz="2400" b="1" smtClean="0"/>
+              <a:t>파인튜닝 방법</a:t>
+            </a:r>
+            <a:endParaRPr lang="en-US" altLang="ko-KR" sz="2400" b="1" smtClean="0"/>
+          </a:p>
+          <a:p>
+            <a:endParaRPr lang="en-US" altLang="ko-KR" sz="1600" smtClean="0"/>
+          </a:p>
+          <a:p>
+            <a:r>
+              <a:rPr lang="en-US" altLang="ko-KR" smtClean="0"/>
+              <a:t>3. kcBert:</a:t>
+            </a:r>
+            <a:r>
+              <a:rPr lang="en-US" altLang="ko-KR"/>
+              <a:t/>
+            </a:r>
+            <a:br>
+              <a:rPr lang="en-US" altLang="ko-KR"/>
+            </a:br>
+            <a:r>
+              <a:rPr lang="en-US" altLang="ko-KR"/>
+              <a:t> </a:t>
+            </a:r>
+            <a:r>
+              <a:rPr lang="en-US" altLang="ko-KR" smtClean="0"/>
+              <a:t>  </a:t>
+            </a:r>
+            <a:r>
+              <a:rPr lang="en-US" altLang="ko-KR" sz="1600" smtClean="0"/>
+              <a:t>- </a:t>
+            </a:r>
+            <a:r>
+              <a:rPr lang="ko-KR" altLang="en-US" sz="1600" smtClean="0"/>
+              <a:t>학습데이터 활용 기존 </a:t>
+            </a:r>
+            <a:r>
+              <a:rPr lang="en-US" altLang="ko-KR" sz="1600" smtClean="0"/>
+              <a:t>pretrain</a:t>
+            </a:r>
+            <a:r>
+              <a:rPr lang="ko-KR" altLang="en-US" sz="1600" smtClean="0"/>
+              <a:t>에 추가 학습 한 </a:t>
+            </a:r>
+            <a:r>
+              <a:rPr lang="en-US" altLang="ko-KR" sz="1600" smtClean="0"/>
+              <a:t>vocab </a:t>
+            </a:r>
+            <a:r>
+              <a:rPr lang="ko-KR" altLang="en-US" sz="1600" smtClean="0"/>
+              <a:t>생성 후 </a:t>
+            </a:r>
+            <a:r>
+              <a:rPr lang="en-US" altLang="ko-KR" sz="1600" smtClean="0"/>
+              <a:t>tokenizer </a:t>
+            </a:r>
+            <a:r>
+              <a:rPr lang="ko-KR" altLang="en-US" sz="1600" smtClean="0"/>
+              <a:t>활용</a:t>
+            </a:r>
+            <a:r>
+              <a:rPr lang="en-US" altLang="ko-KR" sz="1600"/>
+              <a:t/>
+            </a:r>
+            <a:br>
+              <a:rPr lang="en-US" altLang="ko-KR" sz="1600"/>
+            </a:br>
+            <a:r>
+              <a:rPr lang="en-US" altLang="ko-KR" sz="1600" smtClean="0"/>
+              <a:t/>
+            </a:r>
+            <a:br>
+              <a:rPr lang="en-US" altLang="ko-KR" sz="1600" smtClean="0"/>
+            </a:br>
+            <a:r>
+              <a:rPr lang="en-US" altLang="ko-KR" sz="1600"/>
+              <a:t/>
+            </a:r>
+            <a:br>
+              <a:rPr lang="en-US" altLang="ko-KR" sz="1600"/>
+            </a:br>
+            <a:r>
+              <a:rPr lang="en-US" altLang="ko-KR" sz="1600" smtClean="0"/>
+              <a:t>https://beomi.github.io/2021/03/15/KcBERT-MLM-Finetune/#more</a:t>
+            </a:r>
+          </a:p>
+        </p:txBody>
+      </p:sp>
+      <p:pic>
+        <p:nvPicPr>
+          <p:cNvPr id="3" name="그림 2"/>
+          <p:cNvPicPr>
+            <a:picLocks noChangeAspect="1"/>
+          </p:cNvPicPr>
+          <p:nvPr/>
+        </p:nvPicPr>
+        <p:blipFill>
+          <a:blip r:embed="rId2"/>
+          <a:stretch>
+            <a:fillRect/>
+          </a:stretch>
+        </p:blipFill>
+        <p:spPr>
+          <a:xfrm>
+            <a:off x="2447565" y="2691050"/>
+            <a:ext cx="6072674" cy="2334366"/>
+          </a:xfrm>
+          <a:prstGeom prst="rect">
+            <a:avLst/>
+          </a:prstGeom>
+        </p:spPr>
+      </p:pic>
+    </p:spTree>
+    <p:extLst>
+      <p:ext uri="{BB962C8B-B14F-4D97-AF65-F5344CB8AC3E}">
+        <p14:creationId xmlns:p14="http://schemas.microsoft.com/office/powerpoint/2010/main" val="22027519"/>
+      </p:ext>
+    </p:extLst>
+  </p:cSld>
+  <p:clrMapOvr>
+    <a:masterClrMapping/>
+  </p:clrMapOvr>
+</p:sld>
+</file>
+
+<file path=ppt/slides/slide4.xml><?xml version="1.0" encoding="utf-8"?>
+<p:sld xmlns:a="http://schemas.openxmlformats.org/drawingml/2006/main" xmlns:r="http://schemas.openxmlformats.org/officeDocument/2006/relationships" xmlns:p="http://schemas.openxmlformats.org/presentationml/2006/main">
+  <p:cSld>
+    <p:spTree>
+      <p:nvGrpSpPr>
+        <p:cNvPr id="1" name=""/>
+        <p:cNvGrpSpPr/>
+        <p:nvPr/>
+      </p:nvGrpSpPr>
+      <p:grpSpPr>
+        <a:xfrm>
+          <a:off x="0" y="0"/>
+          <a:ext cx="0" cy="0"/>
+          <a:chOff x="0" y="0"/>
+          <a:chExt cx="0" cy="0"/>
+        </a:xfrm>
+      </p:grpSpPr>
+      <p:sp>
+        <p:nvSpPr>
           <p:cNvPr id="4" name="TextBox 3"/>
           <p:cNvSpPr txBox="1"/>
           <p:nvPr/>
@@ -886,11 +979,7 @@
             <a:pPr lvl="1"/>
             <a:r>
               <a:rPr lang="en-US" altLang="ko-KR" smtClean="0"/>
-              <a:t>huggingface(transformers) </a:t>
-            </a:r>
-            <a:r>
-              <a:rPr lang="en-US" altLang="ko-KR" smtClean="0"/>
-              <a:t>+ pytorch</a:t>
+              <a:t>huggingface(transformers) + pytorch</a:t>
             </a:r>
             <a:r>
               <a:rPr lang="ko-KR" altLang="en-US" smtClean="0"/>
@@ -912,11 +1001,7 @@
             </a:br>
             <a:r>
               <a:rPr lang="en-US" altLang="ko-KR" smtClean="0"/>
-              <a:t>huggingface(transformers) + </a:t>
-            </a:r>
-            <a:r>
-              <a:rPr lang="en-US" altLang="ko-KR" smtClean="0"/>
-              <a:t>pytorch + pytorch lightning </a:t>
+              <a:t>huggingface(transformers) + pytorch + pytorch lightning </a:t>
             </a:r>
           </a:p>
           <a:p>
@@ -973,7 +1058,7 @@
 </p:sld>
 </file>
 
-<file path=ppt/slides/slide4.xml><?xml version="1.0" encoding="utf-8"?>
+<file path=ppt/slides/slide5.xml><?xml version="1.0" encoding="utf-8"?>
 <p:sld xmlns:a="http://schemas.openxmlformats.org/drawingml/2006/main" xmlns:r="http://schemas.openxmlformats.org/officeDocument/2006/relationships" xmlns:p="http://schemas.openxmlformats.org/presentationml/2006/main">
   <p:cSld>
     <p:spTree>
